--- a/Paper/Checkpoints/02-06 Checkin.pptx
+++ b/Paper/Checkpoints/02-06 Checkin.pptx
@@ -5,7 +5,7 @@
     <p:sldMasterId id="2147483660" r:id="rId1"/>
   </p:sldMasterIdLst>
   <p:notesMasterIdLst>
-    <p:notesMasterId r:id="rId16"/>
+    <p:notesMasterId r:id="rId15"/>
   </p:notesMasterIdLst>
   <p:sldIdLst>
     <p:sldId id="257" r:id="rId2"/>
@@ -13,15 +13,14 @@
     <p:sldId id="258" r:id="rId4"/>
     <p:sldId id="273" r:id="rId5"/>
     <p:sldId id="259" r:id="rId6"/>
-    <p:sldId id="277" r:id="rId7"/>
-    <p:sldId id="298" r:id="rId8"/>
-    <p:sldId id="293" r:id="rId9"/>
-    <p:sldId id="294" r:id="rId10"/>
-    <p:sldId id="299" r:id="rId11"/>
-    <p:sldId id="296" r:id="rId12"/>
-    <p:sldId id="295" r:id="rId13"/>
-    <p:sldId id="297" r:id="rId14"/>
-    <p:sldId id="300" r:id="rId15"/>
+    <p:sldId id="298" r:id="rId7"/>
+    <p:sldId id="293" r:id="rId8"/>
+    <p:sldId id="294" r:id="rId9"/>
+    <p:sldId id="299" r:id="rId10"/>
+    <p:sldId id="296" r:id="rId11"/>
+    <p:sldId id="295" r:id="rId12"/>
+    <p:sldId id="300" r:id="rId13"/>
+    <p:sldId id="301" r:id="rId14"/>
   </p:sldIdLst>
   <p:sldSz cx="12192000" cy="6858000"/>
   <p:notesSz cx="6858000" cy="9144000"/>
@@ -2398,7 +2397,7 @@
           <a:p>
             <a:fld id="{F5E9CF8D-DC79-42C7-A9F0-751BEB21AB0F}" type="datetimeFigureOut">
               <a:rPr lang="en-US" smtClean="0"/>
-              <a:t>2/6/2020</a:t>
+              <a:t>2/23/2020</a:t>
             </a:fld>
             <a:endParaRPr lang="en-US" dirty="0"/>
           </a:p>
@@ -2833,7 +2832,7 @@
           <a:p>
             <a:fld id="{6B233FFB-8730-4E96-95EB-A8FD52A0AB17}" type="datetime1">
               <a:rPr lang="en-US" smtClean="0"/>
-              <a:t>2/6/2020</a:t>
+              <a:t>2/23/2020</a:t>
             </a:fld>
             <a:endParaRPr lang="en-US" dirty="0"/>
           </a:p>
@@ -3061,7 +3060,7 @@
           <a:p>
             <a:fld id="{1E7CA904-E9DA-473F-8DC9-D144B34B1F7D}" type="datetime1">
               <a:rPr lang="en-US" smtClean="0"/>
-              <a:t>2/6/2020</a:t>
+              <a:t>2/23/2020</a:t>
             </a:fld>
             <a:endParaRPr lang="en-US" dirty="0"/>
           </a:p>
@@ -3241,7 +3240,7 @@
           <a:p>
             <a:fld id="{2C228909-1761-4B52-9DB6-4979312EFDEF}" type="datetime1">
               <a:rPr lang="en-US" smtClean="0"/>
-              <a:t>2/6/2020</a:t>
+              <a:t>2/23/2020</a:t>
             </a:fld>
             <a:endParaRPr lang="en-US" dirty="0"/>
           </a:p>
@@ -3411,7 +3410,7 @@
           <a:p>
             <a:fld id="{B129E873-C0DE-4545-8180-1A8C95785FC8}" type="datetime1">
               <a:rPr lang="en-US" smtClean="0"/>
-              <a:t>2/6/2020</a:t>
+              <a:t>2/23/2020</a:t>
             </a:fld>
             <a:endParaRPr lang="en-US" dirty="0"/>
           </a:p>
@@ -3665,7 +3664,7 @@
           <a:p>
             <a:fld id="{CD5A51B0-791B-4B1D-818D-85347694A9F0}" type="datetime1">
               <a:rPr lang="en-US" smtClean="0"/>
-              <a:t>2/6/2020</a:t>
+              <a:t>2/23/2020</a:t>
             </a:fld>
             <a:endParaRPr lang="en-US" dirty="0"/>
           </a:p>
@@ -3991,7 +3990,7 @@
           <a:p>
             <a:fld id="{B5F6597E-384C-4FCD-9CF6-A79705FE1BB8}" type="datetime1">
               <a:rPr lang="en-US" smtClean="0"/>
-              <a:t>2/6/2020</a:t>
+              <a:t>2/23/2020</a:t>
             </a:fld>
             <a:endParaRPr lang="en-US" dirty="0"/>
           </a:p>
@@ -4442,7 +4441,7 @@
           <a:p>
             <a:fld id="{BE436D9D-3A1A-40CF-B04C-30F321895ECD}" type="datetime1">
               <a:rPr lang="en-US" smtClean="0"/>
-              <a:t>2/6/2020</a:t>
+              <a:t>2/23/2020</a:t>
             </a:fld>
             <a:endParaRPr lang="en-US" dirty="0"/>
           </a:p>
@@ -4560,7 +4559,7 @@
           <a:p>
             <a:fld id="{7F744C8B-04A5-4DBD-AFF1-C1828A19C373}" type="datetime1">
               <a:rPr lang="en-US" smtClean="0"/>
-              <a:t>2/6/2020</a:t>
+              <a:t>2/23/2020</a:t>
             </a:fld>
             <a:endParaRPr lang="en-US" dirty="0"/>
           </a:p>
@@ -4655,7 +4654,7 @@
           <a:p>
             <a:fld id="{996AA916-2264-49E3-A530-ABC6DF3385DC}" type="datetime1">
               <a:rPr lang="en-US" smtClean="0"/>
-              <a:t>2/6/2020</a:t>
+              <a:t>2/23/2020</a:t>
             </a:fld>
             <a:endParaRPr lang="en-US" dirty="0"/>
           </a:p>
@@ -4942,7 +4941,7 @@
           <a:p>
             <a:fld id="{D544E559-9FAB-4DB1-9768-444C05D2D6D7}" type="datetime1">
               <a:rPr lang="en-US" smtClean="0"/>
-              <a:t>2/6/2020</a:t>
+              <a:t>2/23/2020</a:t>
             </a:fld>
             <a:endParaRPr lang="en-US" dirty="0"/>
           </a:p>
@@ -5263,7 +5262,7 @@
           <a:p>
             <a:fld id="{A5286A95-22EA-424B-8786-3147D30B195C}" type="datetime1">
               <a:rPr lang="en-US" smtClean="0"/>
-              <a:t>2/6/2020</a:t>
+              <a:t>2/23/2020</a:t>
             </a:fld>
             <a:endParaRPr lang="en-US" dirty="0"/>
           </a:p>
@@ -5517,7 +5516,7 @@
           <a:p>
             <a:fld id="{2F821A4C-A4B7-44BE-8971-13A999C79CF3}" type="datetime1">
               <a:rPr lang="en-US" smtClean="0"/>
-              <a:t>2/6/2020</a:t>
+              <a:t>2/23/2020</a:t>
             </a:fld>
             <a:endParaRPr lang="en-US" dirty="0"/>
           </a:p>
@@ -6131,120 +6130,6 @@
       </p:grpSpPr>
       <p:sp>
         <p:nvSpPr>
-          <p:cNvPr id="4" name="Title 3">
-            <a:extLst>
-              <a:ext uri="{FF2B5EF4-FFF2-40B4-BE49-F238E27FC236}">
-                <a16:creationId xmlns:a16="http://schemas.microsoft.com/office/drawing/2014/main" id="{F1C2C84A-DD8B-4A26-A88F-C715769110BD}"/>
-              </a:ext>
-            </a:extLst>
-          </p:cNvPr>
-          <p:cNvSpPr>
-            <a:spLocks noGrp="1"/>
-          </p:cNvSpPr>
-          <p:nvPr>
-            <p:ph type="title"/>
-          </p:nvPr>
-        </p:nvSpPr>
-        <p:spPr/>
-        <p:txBody>
-          <a:bodyPr/>
-          <a:lstStyle/>
-          <a:p>
-            <a:r>
-              <a:rPr lang="en-US" dirty="0"/>
-              <a:t>Robustness</a:t>
-            </a:r>
-          </a:p>
-        </p:txBody>
-      </p:sp>
-      <p:sp>
-        <p:nvSpPr>
-          <p:cNvPr id="5" name="Text Placeholder 4">
-            <a:extLst>
-              <a:ext uri="{FF2B5EF4-FFF2-40B4-BE49-F238E27FC236}">
-                <a16:creationId xmlns:a16="http://schemas.microsoft.com/office/drawing/2014/main" id="{E3374615-1888-4AB6-A81A-C72C164EBC05}"/>
-              </a:ext>
-            </a:extLst>
-          </p:cNvPr>
-          <p:cNvSpPr>
-            <a:spLocks noGrp="1"/>
-          </p:cNvSpPr>
-          <p:nvPr>
-            <p:ph type="body" idx="1"/>
-          </p:nvPr>
-        </p:nvSpPr>
-        <p:spPr/>
-        <p:txBody>
-          <a:bodyPr/>
-          <a:lstStyle/>
-          <a:p>
-            <a:endParaRPr lang="en-US" dirty="0"/>
-          </a:p>
-        </p:txBody>
-      </p:sp>
-      <p:sp>
-        <p:nvSpPr>
-          <p:cNvPr id="6" name="Slide Number Placeholder 5">
-            <a:extLst>
-              <a:ext uri="{FF2B5EF4-FFF2-40B4-BE49-F238E27FC236}">
-                <a16:creationId xmlns:a16="http://schemas.microsoft.com/office/drawing/2014/main" id="{EA03FA06-324C-4A58-BA4E-368666406469}"/>
-              </a:ext>
-            </a:extLst>
-          </p:cNvPr>
-          <p:cNvSpPr>
-            <a:spLocks noGrp="1"/>
-          </p:cNvSpPr>
-          <p:nvPr>
-            <p:ph type="sldNum" sz="quarter" idx="12"/>
-          </p:nvPr>
-        </p:nvSpPr>
-        <p:spPr/>
-        <p:txBody>
-          <a:bodyPr>
-            <a:normAutofit lnSpcReduction="10000"/>
-          </a:bodyPr>
-          <a:lstStyle/>
-          <a:p>
-            <a:fld id="{7C9D184C-9A82-443C-9AFB-5C392244099D}" type="slidenum">
-              <a:rPr lang="en-US" smtClean="0"/>
-              <a:t>10</a:t>
-            </a:fld>
-            <a:endParaRPr lang="en-US" dirty="0"/>
-          </a:p>
-        </p:txBody>
-      </p:sp>
-    </p:spTree>
-    <p:extLst>
-      <p:ext uri="{BB962C8B-B14F-4D97-AF65-F5344CB8AC3E}">
-        <p14:creationId xmlns:p14="http://schemas.microsoft.com/office/powerpoint/2010/main" val="3696902245"/>
-      </p:ext>
-    </p:extLst>
-  </p:cSld>
-  <p:clrMapOvr>
-    <a:masterClrMapping/>
-  </p:clrMapOvr>
-</p:sld>
-</file>
-
-<file path=ppt/slides/slide11.xml><?xml version="1.0" encoding="utf-8"?>
-<p:sld xmlns:a="http://schemas.openxmlformats.org/drawingml/2006/main" xmlns:r="http://schemas.openxmlformats.org/officeDocument/2006/relationships" xmlns:p="http://schemas.openxmlformats.org/presentationml/2006/main">
-  <p:cSld>
-    <p:spTree>
-      <p:nvGrpSpPr>
-        <p:cNvPr id="1" name=""/>
-        <p:cNvGrpSpPr/>
-        <p:nvPr/>
-      </p:nvGrpSpPr>
-      <p:grpSpPr>
-        <a:xfrm>
-          <a:off x="0" y="0"/>
-          <a:ext cx="0" cy="0"/>
-          <a:chOff x="0" y="0"/>
-          <a:chExt cx="0" cy="0"/>
-        </a:xfrm>
-      </p:grpSpPr>
-      <p:sp>
-        <p:nvSpPr>
           <p:cNvPr id="3" name="Content Placeholder 2">
             <a:extLst>
               <a:ext uri="{FF2B5EF4-FFF2-40B4-BE49-F238E27FC236}">
@@ -6342,7 +6227,7 @@
           <a:p>
             <a:fld id="{7C9D184C-9A82-443C-9AFB-5C392244099D}" type="slidenum">
               <a:rPr lang="en-US" smtClean="0"/>
-              <a:t>11</a:t>
+              <a:t>10</a:t>
             </a:fld>
             <a:endParaRPr lang="en-US" dirty="0"/>
           </a:p>
@@ -6391,7 +6276,7 @@
 </p:sld>
 </file>
 
-<file path=ppt/slides/slide12.xml><?xml version="1.0" encoding="utf-8"?>
+<file path=ppt/slides/slide11.xml><?xml version="1.0" encoding="utf-8"?>
 <p:sld xmlns:a="http://schemas.openxmlformats.org/drawingml/2006/main" xmlns:r="http://schemas.openxmlformats.org/officeDocument/2006/relationships" xmlns:p="http://schemas.openxmlformats.org/presentationml/2006/main">
   <p:cSld>
     <p:spTree>
@@ -6485,7 +6370,7 @@
           <a:p>
             <a:fld id="{7C9D184C-9A82-443C-9AFB-5C392244099D}" type="slidenum">
               <a:rPr lang="en-US" smtClean="0"/>
-              <a:t>12</a:t>
+              <a:t>11</a:t>
             </a:fld>
             <a:endParaRPr lang="en-US" dirty="0"/>
           </a:p>
@@ -6534,6 +6419,208 @@
 </p:sld>
 </file>
 
+<file path=ppt/slides/slide12.xml><?xml version="1.0" encoding="utf-8"?>
+<p:sld xmlns:a="http://schemas.openxmlformats.org/drawingml/2006/main" xmlns:r="http://schemas.openxmlformats.org/officeDocument/2006/relationships" xmlns:p="http://schemas.openxmlformats.org/presentationml/2006/main">
+  <p:cSld>
+    <p:spTree>
+      <p:nvGrpSpPr>
+        <p:cNvPr id="1" name=""/>
+        <p:cNvGrpSpPr/>
+        <p:nvPr/>
+      </p:nvGrpSpPr>
+      <p:grpSpPr>
+        <a:xfrm>
+          <a:off x="0" y="0"/>
+          <a:ext cx="0" cy="0"/>
+          <a:chOff x="0" y="0"/>
+          <a:chExt cx="0" cy="0"/>
+        </a:xfrm>
+      </p:grpSpPr>
+      <p:sp>
+        <p:nvSpPr>
+          <p:cNvPr id="4" name="Slide Number Placeholder 3">
+            <a:extLst>
+              <a:ext uri="{FF2B5EF4-FFF2-40B4-BE49-F238E27FC236}">
+                <a16:creationId xmlns:a16="http://schemas.microsoft.com/office/drawing/2014/main" id="{94C4AECC-11E5-4C48-8EEA-89FB06DBAA6C}"/>
+              </a:ext>
+            </a:extLst>
+          </p:cNvPr>
+          <p:cNvSpPr>
+            <a:spLocks noGrp="1"/>
+          </p:cNvSpPr>
+          <p:nvPr>
+            <p:ph type="sldNum" sz="quarter" idx="12"/>
+          </p:nvPr>
+        </p:nvSpPr>
+        <p:spPr/>
+        <p:txBody>
+          <a:bodyPr>
+            <a:normAutofit lnSpcReduction="10000"/>
+          </a:bodyPr>
+          <a:lstStyle/>
+          <a:p>
+            <a:fld id="{7C9D184C-9A82-443C-9AFB-5C392244099D}" type="slidenum">
+              <a:rPr lang="en-US" smtClean="0"/>
+              <a:t>12</a:t>
+            </a:fld>
+            <a:endParaRPr lang="en-US" dirty="0"/>
+          </a:p>
+        </p:txBody>
+      </p:sp>
+      <p:pic>
+        <p:nvPicPr>
+          <p:cNvPr id="8" name="Picture 7">
+            <a:extLst>
+              <a:ext uri="{FF2B5EF4-FFF2-40B4-BE49-F238E27FC236}">
+                <a16:creationId xmlns:a16="http://schemas.microsoft.com/office/drawing/2014/main" id="{3F5EE46A-0CB2-44E8-956A-0C134A8BD413}"/>
+              </a:ext>
+            </a:extLst>
+          </p:cNvPr>
+          <p:cNvPicPr>
+            <a:picLocks noChangeAspect="1"/>
+          </p:cNvPicPr>
+          <p:nvPr/>
+        </p:nvPicPr>
+        <p:blipFill rotWithShape="1">
+          <a:blip r:embed="rId2"/>
+          <a:srcRect t="71835" r="12293" b="1924"/>
+          <a:stretch/>
+        </p:blipFill>
+        <p:spPr>
+          <a:xfrm>
+            <a:off x="2366969" y="886968"/>
+            <a:ext cx="6739106" cy="2542032"/>
+          </a:xfrm>
+          <a:prstGeom prst="rect">
+            <a:avLst/>
+          </a:prstGeom>
+        </p:spPr>
+      </p:pic>
+      <p:sp>
+        <p:nvSpPr>
+          <p:cNvPr id="5" name="Content Placeholder 2">
+            <a:extLst>
+              <a:ext uri="{FF2B5EF4-FFF2-40B4-BE49-F238E27FC236}">
+                <a16:creationId xmlns:a16="http://schemas.microsoft.com/office/drawing/2014/main" id="{B651A04B-4E08-49AB-8F66-E61D0EDB4B28}"/>
+              </a:ext>
+            </a:extLst>
+          </p:cNvPr>
+          <p:cNvSpPr>
+            <a:spLocks noGrp="1"/>
+          </p:cNvSpPr>
+          <p:nvPr>
+            <p:ph idx="1"/>
+          </p:nvPr>
+        </p:nvSpPr>
+        <p:spPr>
+          <a:xfrm>
+            <a:off x="422855" y="3511297"/>
+            <a:ext cx="10627335" cy="3145535"/>
+          </a:xfrm>
+        </p:spPr>
+        <p:txBody>
+          <a:bodyPr>
+            <a:normAutofit/>
+          </a:bodyPr>
+          <a:lstStyle/>
+          <a:p>
+            <a:r>
+              <a:rPr lang="en-US" dirty="0"/>
+              <a:t>Including the ACS variables decreases the estimation of pricing discrimination by 1.8 bps</a:t>
+            </a:r>
+          </a:p>
+          <a:p>
+            <a:pPr lvl="1"/>
+            <a:r>
+              <a:rPr lang="en-US" dirty="0"/>
+              <a:t>This would suggest that omitting these tract-level variables introduces omitted variable bias to the model</a:t>
+            </a:r>
+          </a:p>
+          <a:p>
+            <a:r>
+              <a:rPr lang="en-US" dirty="0"/>
+              <a:t> In comparison to non-predominantly black neighborhoods, black neighborhoods have:</a:t>
+            </a:r>
+          </a:p>
+          <a:p>
+            <a:pPr lvl="1"/>
+            <a:r>
+              <a:rPr lang="en-US" dirty="0"/>
+              <a:t>Lower rates of bachelor’s degree attainment (17.3% vs. 31.8%)</a:t>
+            </a:r>
+          </a:p>
+          <a:p>
+            <a:pPr lvl="1"/>
+            <a:r>
+              <a:rPr lang="en-US" dirty="0"/>
+              <a:t>Higher rates of uninsured residents (31.8% vs. 13.1%)</a:t>
+            </a:r>
+          </a:p>
+          <a:p>
+            <a:pPr lvl="1"/>
+            <a:r>
+              <a:rPr lang="en-US" dirty="0"/>
+              <a:t>Significantly higher rates of government subsidies (29.7% vs. 12.8%)</a:t>
+            </a:r>
+          </a:p>
+          <a:p>
+            <a:pPr lvl="1"/>
+            <a:r>
+              <a:rPr lang="en-US" dirty="0"/>
+              <a:t>Higher unemployment rates (5.7% vs. 3.0%)</a:t>
+            </a:r>
+          </a:p>
+          <a:p>
+            <a:pPr lvl="1"/>
+            <a:r>
+              <a:rPr lang="en-US" dirty="0"/>
+              <a:t>Higher vacancy rates (16.9% vs. 11.5%)</a:t>
+            </a:r>
+          </a:p>
+        </p:txBody>
+      </p:sp>
+      <p:pic>
+        <p:nvPicPr>
+          <p:cNvPr id="6" name="Picture 5">
+            <a:extLst>
+              <a:ext uri="{FF2B5EF4-FFF2-40B4-BE49-F238E27FC236}">
+                <a16:creationId xmlns:a16="http://schemas.microsoft.com/office/drawing/2014/main" id="{56F5005F-3B21-407A-89EF-00DFD00073F0}"/>
+              </a:ext>
+            </a:extLst>
+          </p:cNvPr>
+          <p:cNvPicPr>
+            <a:picLocks noChangeAspect="1"/>
+          </p:cNvPicPr>
+          <p:nvPr/>
+        </p:nvPicPr>
+        <p:blipFill rotWithShape="1">
+          <a:blip r:embed="rId3"/>
+          <a:srcRect r="18376" b="92731"/>
+          <a:stretch/>
+        </p:blipFill>
+        <p:spPr>
+          <a:xfrm>
+            <a:off x="2366969" y="201168"/>
+            <a:ext cx="6296491" cy="719426"/>
+          </a:xfrm>
+          <a:prstGeom prst="rect">
+            <a:avLst/>
+          </a:prstGeom>
+        </p:spPr>
+      </p:pic>
+    </p:spTree>
+    <p:extLst>
+      <p:ext uri="{BB962C8B-B14F-4D97-AF65-F5344CB8AC3E}">
+        <p14:creationId xmlns:p14="http://schemas.microsoft.com/office/powerpoint/2010/main" val="1156062614"/>
+      </p:ext>
+    </p:extLst>
+  </p:cSld>
+  <p:clrMapOvr>
+    <a:masterClrMapping/>
+  </p:clrMapOvr>
+</p:sld>
+</file>
+
 <file path=ppt/slides/slide13.xml><?xml version="1.0" encoding="utf-8"?>
 <p:sld xmlns:a="http://schemas.openxmlformats.org/drawingml/2006/main" xmlns:r="http://schemas.openxmlformats.org/officeDocument/2006/relationships" xmlns:p="http://schemas.openxmlformats.org/presentationml/2006/main">
   <p:cSld>
@@ -6553,10 +6640,10 @@
       </p:grpSpPr>
       <p:sp>
         <p:nvSpPr>
-          <p:cNvPr id="2" name="Title 1">
+          <p:cNvPr id="3" name="Content Placeholder 2">
             <a:extLst>
               <a:ext uri="{FF2B5EF4-FFF2-40B4-BE49-F238E27FC236}">
-                <a16:creationId xmlns:a16="http://schemas.microsoft.com/office/drawing/2014/main" id="{A6820BEC-7CA9-496F-92E6-3CF4C06B5E10}"/>
+                <a16:creationId xmlns:a16="http://schemas.microsoft.com/office/drawing/2014/main" id="{38B66C90-CC3F-4427-AE91-F4442E9277EE}"/>
               </a:ext>
             </a:extLst>
           </p:cNvPr>
@@ -6564,101 +6651,56 @@
             <a:spLocks noGrp="1"/>
           </p:cNvSpPr>
           <p:nvPr>
-            <p:ph type="title"/>
-          </p:nvPr>
-        </p:nvSpPr>
-        <p:spPr/>
-        <p:txBody>
-          <a:bodyPr/>
+            <p:ph idx="1"/>
+          </p:nvPr>
+        </p:nvSpPr>
+        <p:spPr>
+          <a:xfrm>
+            <a:off x="1261872" y="2770632"/>
+            <a:ext cx="8595360" cy="3602736"/>
+          </a:xfrm>
+        </p:spPr>
+        <p:txBody>
+          <a:bodyPr>
+            <a:normAutofit lnSpcReduction="10000"/>
+          </a:bodyPr>
           <a:lstStyle/>
           <a:p>
             <a:r>
               <a:rPr lang="en-US" dirty="0"/>
-              <a:t>Next Steps</a:t>
-            </a:r>
-          </a:p>
-        </p:txBody>
-      </p:sp>
-      <p:sp>
-        <p:nvSpPr>
-          <p:cNvPr id="3" name="Content Placeholder 2">
-            <a:extLst>
-              <a:ext uri="{FF2B5EF4-FFF2-40B4-BE49-F238E27FC236}">
-                <a16:creationId xmlns:a16="http://schemas.microsoft.com/office/drawing/2014/main" id="{23DEC8B2-1D7D-4CFE-8F69-BA7944790F4B}"/>
-              </a:ext>
-            </a:extLst>
-          </p:cNvPr>
-          <p:cNvSpPr>
-            <a:spLocks noGrp="1"/>
-          </p:cNvSpPr>
-          <p:nvPr>
-            <p:ph idx="1"/>
-          </p:nvPr>
-        </p:nvSpPr>
-        <p:spPr/>
-        <p:txBody>
-          <a:bodyPr/>
-          <a:lstStyle/>
+              <a:t>Estimated pricing discrimination using median values is approximately 3.5 basis points higher than when using average values</a:t>
+            </a:r>
+          </a:p>
           <a:p>
             <a:r>
               <a:rPr lang="en-US" dirty="0"/>
-              <a:t>Account for potential tract-level confounding factors</a:t>
+              <a:t>This would indicate that there is skew in the distribution of applicants </a:t>
             </a:r>
           </a:p>
           <a:p>
             <a:pPr lvl="1"/>
             <a:r>
               <a:rPr lang="en-US" dirty="0"/>
-              <a:t>I am limited in the available data to append since most datasets are not at the granularity of the tract level</a:t>
-            </a:r>
-          </a:p>
-          <a:p>
-            <a:pPr lvl="2"/>
+              <a:t>A small number of higher-quality borrowers in predominately black tracts hold down average rate spreads in these communities</a:t>
+            </a:r>
+          </a:p>
+          <a:p>
+            <a:pPr lvl="1"/>
             <a:r>
               <a:rPr lang="en-US" dirty="0"/>
-              <a:t>Most census data is not released beyond the county or MSA level</a:t>
-            </a:r>
-          </a:p>
-          <a:p>
-            <a:pPr lvl="2"/>
+              <a:t>This is in contrast to my initial intuition that weaker borrowers may be pushing up rate spreads in predominantly black tracts</a:t>
+            </a:r>
+          </a:p>
+          <a:p>
             <a:r>
               <a:rPr lang="en-US" dirty="0"/>
-              <a:t>Fed data is only available to the county level</a:t>
-            </a:r>
-          </a:p>
-          <a:p>
-            <a:pPr lvl="2"/>
+              <a:t>These results suggest that pricing discrimination is even more pronounced for the median applicant than suggested by the baseline model</a:t>
+            </a:r>
+          </a:p>
+          <a:p>
             <a:r>
               <a:rPr lang="en-US" dirty="0"/>
-              <a:t>FBI data is released at the department level</a:t>
-            </a:r>
-          </a:p>
-          <a:p>
-            <a:pPr lvl="1"/>
-            <a:r>
-              <a:rPr lang="en-US" dirty="0"/>
-              <a:t>At present, I have set up an API with the 2017 American Household Survey administered by the Census Bureau</a:t>
-            </a:r>
-          </a:p>
-          <a:p>
-            <a:pPr lvl="2"/>
-            <a:r>
-              <a:rPr lang="en-US" dirty="0"/>
-              <a:t>This dataset has tract-level aggregate counts for unemployment, uninsured, government subsidy recipients, education attainment and vacant housing</a:t>
-            </a:r>
-          </a:p>
-          <a:p>
-            <a:pPr lvl="2"/>
-            <a:r>
-              <a:rPr lang="en-US" dirty="0"/>
-              <a:t>This variables account for or are highly correlated with potential omitted variables in the model</a:t>
-            </a:r>
-          </a:p>
-          <a:p>
-            <a:pPr lvl="3"/>
-            <a:r>
-              <a:rPr lang="en-US" dirty="0"/>
-              <a:t>For example, crime stats are not available at the tract level but correlates with both vacancy rates, unemployment and government subsidies</a:t>
+              <a:t>It is not a small subset of weaker black borrowers in predominantly black tracts that face pricing discrimination but a majority of all borrowers in these tracts</a:t>
             </a:r>
           </a:p>
           <a:p>
@@ -6671,7 +6713,7 @@
           <p:cNvPr id="4" name="Slide Number Placeholder 3">
             <a:extLst>
               <a:ext uri="{FF2B5EF4-FFF2-40B4-BE49-F238E27FC236}">
-                <a16:creationId xmlns:a16="http://schemas.microsoft.com/office/drawing/2014/main" id="{4DDF79EB-0488-4BD4-92DA-10127921988C}"/>
+                <a16:creationId xmlns:a16="http://schemas.microsoft.com/office/drawing/2014/main" id="{237A4C7C-5AF0-4C55-95D4-F385B4A68378}"/>
               </a:ext>
             </a:extLst>
           </p:cNvPr>
@@ -6697,73 +6739,12 @@
           </a:p>
         </p:txBody>
       </p:sp>
-    </p:spTree>
-    <p:extLst>
-      <p:ext uri="{BB962C8B-B14F-4D97-AF65-F5344CB8AC3E}">
-        <p14:creationId xmlns:p14="http://schemas.microsoft.com/office/powerpoint/2010/main" val="1814323416"/>
-      </p:ext>
-    </p:extLst>
-  </p:cSld>
-  <p:clrMapOvr>
-    <a:masterClrMapping/>
-  </p:clrMapOvr>
-</p:sld>
-</file>
-
-<file path=ppt/slides/slide14.xml><?xml version="1.0" encoding="utf-8"?>
-<p:sld xmlns:a="http://schemas.openxmlformats.org/drawingml/2006/main" xmlns:r="http://schemas.openxmlformats.org/officeDocument/2006/relationships" xmlns:p="http://schemas.openxmlformats.org/presentationml/2006/main">
-  <p:cSld>
-    <p:spTree>
-      <p:nvGrpSpPr>
-        <p:cNvPr id="1" name=""/>
-        <p:cNvGrpSpPr/>
-        <p:nvPr/>
-      </p:nvGrpSpPr>
-      <p:grpSpPr>
-        <a:xfrm>
-          <a:off x="0" y="0"/>
-          <a:ext cx="0" cy="0"/>
-          <a:chOff x="0" y="0"/>
-          <a:chExt cx="0" cy="0"/>
-        </a:xfrm>
-      </p:grpSpPr>
-      <p:sp>
-        <p:nvSpPr>
-          <p:cNvPr id="4" name="Slide Number Placeholder 3">
+      <p:pic>
+        <p:nvPicPr>
+          <p:cNvPr id="5" name="Picture 4">
             <a:extLst>
               <a:ext uri="{FF2B5EF4-FFF2-40B4-BE49-F238E27FC236}">
-                <a16:creationId xmlns:a16="http://schemas.microsoft.com/office/drawing/2014/main" id="{94C4AECC-11E5-4C48-8EEA-89FB06DBAA6C}"/>
-              </a:ext>
-            </a:extLst>
-          </p:cNvPr>
-          <p:cNvSpPr>
-            <a:spLocks noGrp="1"/>
-          </p:cNvSpPr>
-          <p:nvPr>
-            <p:ph type="sldNum" sz="quarter" idx="12"/>
-          </p:nvPr>
-        </p:nvSpPr>
-        <p:spPr/>
-        <p:txBody>
-          <a:bodyPr>
-            <a:normAutofit lnSpcReduction="10000"/>
-          </a:bodyPr>
-          <a:lstStyle/>
-          <a:p>
-            <a:fld id="{7C9D184C-9A82-443C-9AFB-5C392244099D}" type="slidenum">
-              <a:rPr lang="en-US" smtClean="0"/>
-              <a:t>14</a:t>
-            </a:fld>
-            <a:endParaRPr lang="en-US" dirty="0"/>
-          </a:p>
-        </p:txBody>
-      </p:sp>
-      <p:pic>
-        <p:nvPicPr>
-          <p:cNvPr id="6" name="Picture 5">
-            <a:extLst>
-              <a:ext uri="{FF2B5EF4-FFF2-40B4-BE49-F238E27FC236}">
-                <a16:creationId xmlns:a16="http://schemas.microsoft.com/office/drawing/2014/main" id="{56F5005F-3B21-407A-89EF-00DFD00073F0}"/>
+                <a16:creationId xmlns:a16="http://schemas.microsoft.com/office/drawing/2014/main" id="{4DA99FF0-C34C-4FE0-A52D-8D3723D518DB}"/>
               </a:ext>
             </a:extLst>
           </p:cNvPr>
@@ -6774,42 +6755,13 @@
         </p:nvPicPr>
         <p:blipFill rotWithShape="1">
           <a:blip r:embed="rId2"/>
-          <a:srcRect b="52301"/>
+          <a:srcRect t="7289" r="615" b="36151"/>
           <a:stretch/>
         </p:blipFill>
         <p:spPr>
           <a:xfrm>
-            <a:off x="102256" y="1429213"/>
-            <a:ext cx="6378755" cy="3903934"/>
-          </a:xfrm>
-          <a:prstGeom prst="rect">
-            <a:avLst/>
-          </a:prstGeom>
-        </p:spPr>
-      </p:pic>
-      <p:pic>
-        <p:nvPicPr>
-          <p:cNvPr id="8" name="Picture 7">
-            <a:extLst>
-              <a:ext uri="{FF2B5EF4-FFF2-40B4-BE49-F238E27FC236}">
-                <a16:creationId xmlns:a16="http://schemas.microsoft.com/office/drawing/2014/main" id="{3F5EE46A-0CB2-44E8-956A-0C134A8BD413}"/>
-              </a:ext>
-            </a:extLst>
-          </p:cNvPr>
-          <p:cNvPicPr>
-            <a:picLocks noChangeAspect="1"/>
-          </p:cNvPicPr>
-          <p:nvPr/>
-        </p:nvPicPr>
-        <p:blipFill rotWithShape="1">
-          <a:blip r:embed="rId3"/>
-          <a:srcRect t="49326" b="1"/>
-          <a:stretch/>
-        </p:blipFill>
-        <p:spPr>
-          <a:xfrm>
-            <a:off x="5788150" y="1429212"/>
-            <a:ext cx="6301594" cy="4097293"/>
+            <a:off x="1248012" y="411480"/>
+            <a:ext cx="8609220" cy="2039112"/>
           </a:xfrm>
           <a:prstGeom prst="rect">
             <a:avLst/>
@@ -6819,7 +6771,7 @@
     </p:spTree>
     <p:extLst>
       <p:ext uri="{BB962C8B-B14F-4D97-AF65-F5344CB8AC3E}">
-        <p14:creationId xmlns:p14="http://schemas.microsoft.com/office/powerpoint/2010/main" val="1156062614"/>
+        <p14:creationId xmlns:p14="http://schemas.microsoft.com/office/powerpoint/2010/main" val="2803455444"/>
       </p:ext>
     </p:extLst>
   </p:cSld>
@@ -7384,10 +7336,10 @@
       </p:grpSpPr>
       <p:sp>
         <p:nvSpPr>
-          <p:cNvPr id="2" name="Title 1">
+          <p:cNvPr id="4" name="Title 3">
             <a:extLst>
               <a:ext uri="{FF2B5EF4-FFF2-40B4-BE49-F238E27FC236}">
-                <a16:creationId xmlns:a16="http://schemas.microsoft.com/office/drawing/2014/main" id="{DF1162D1-39EE-4C65-A01D-AD71153BD324}"/>
+                <a16:creationId xmlns:a16="http://schemas.microsoft.com/office/drawing/2014/main" id="{F1C2C84A-DD8B-4A26-A88F-C715769110BD}"/>
               </a:ext>
             </a:extLst>
           </p:cNvPr>
@@ -7405,17 +7357,17 @@
           <a:p>
             <a:r>
               <a:rPr lang="en-US" dirty="0"/>
-              <a:t>Excluded Data</a:t>
-            </a:r>
-          </a:p>
-        </p:txBody>
-      </p:sp>
-      <p:sp>
-        <p:nvSpPr>
-          <p:cNvPr id="3" name="Content Placeholder 2">
+              <a:t>Results</a:t>
+            </a:r>
+          </a:p>
+        </p:txBody>
+      </p:sp>
+      <p:sp>
+        <p:nvSpPr>
+          <p:cNvPr id="5" name="Text Placeholder 4">
             <a:extLst>
               <a:ext uri="{FF2B5EF4-FFF2-40B4-BE49-F238E27FC236}">
-                <a16:creationId xmlns:a16="http://schemas.microsoft.com/office/drawing/2014/main" id="{958917C6-7999-432B-9E53-2A312CAE4820}"/>
+                <a16:creationId xmlns:a16="http://schemas.microsoft.com/office/drawing/2014/main" id="{E3374615-1888-4AB6-A81A-C72C164EBC05}"/>
               </a:ext>
             </a:extLst>
           </p:cNvPr>
@@ -7423,7 +7375,7 @@
             <a:spLocks noGrp="1"/>
           </p:cNvSpPr>
           <p:nvPr>
-            <p:ph idx="1"/>
+            <p:ph type="body" idx="1"/>
           </p:nvPr>
         </p:nvSpPr>
         <p:spPr/>
@@ -7431,55 +7383,16 @@
           <a:bodyPr/>
           <a:lstStyle/>
           <a:p>
-            <a:r>
-              <a:rPr lang="en-US" dirty="0"/>
-              <a:t>The HDMA data includes applications for  refinancing, commercial loans, pre-approval requests, investment properties, second home, vacation properties and other non-primary home loan applications</a:t>
-            </a:r>
-          </a:p>
-          <a:p>
-            <a:r>
-              <a:rPr lang="en-US" dirty="0"/>
-              <a:t>I focused my analysis on primary residence mortgage applications to normalize the data and to avoid any idiosyncrasies of these other loan types</a:t>
-            </a:r>
-          </a:p>
-          <a:p>
-            <a:r>
-              <a:rPr lang="en-US" dirty="0"/>
-              <a:t>I also intend to focus on discrimination in credit availability that impacts the homeownership rate gap</a:t>
-            </a:r>
-          </a:p>
-          <a:p>
-            <a:pPr lvl="1"/>
-            <a:r>
-              <a:rPr lang="en-US" dirty="0"/>
-              <a:t>These other loan types provide the potential for interesting analysis but do not directly contribute to the disparity in homeownership since you are a homeowner whether you own 1 or 10 homes</a:t>
-            </a:r>
-          </a:p>
-          <a:p>
-            <a:r>
-              <a:rPr lang="en-US" dirty="0"/>
-              <a:t>A few data points contain obvious data entry errors, e.g. a loan with a maturity of “360360”</a:t>
-            </a:r>
-          </a:p>
-          <a:p>
-            <a:pPr lvl="1"/>
-            <a:r>
-              <a:rPr lang="en-US" dirty="0"/>
-              <a:t>I removed these points from the dataset as they arose</a:t>
-            </a:r>
-          </a:p>
-          <a:p>
-            <a:pPr lvl="1"/>
             <a:endParaRPr lang="en-US" dirty="0"/>
           </a:p>
         </p:txBody>
       </p:sp>
       <p:sp>
         <p:nvSpPr>
-          <p:cNvPr id="4" name="Slide Number Placeholder 3">
+          <p:cNvPr id="6" name="Slide Number Placeholder 5">
             <a:extLst>
               <a:ext uri="{FF2B5EF4-FFF2-40B4-BE49-F238E27FC236}">
-                <a16:creationId xmlns:a16="http://schemas.microsoft.com/office/drawing/2014/main" id="{4078A261-B640-4D80-8AD3-450E24059FA5}"/>
+                <a16:creationId xmlns:a16="http://schemas.microsoft.com/office/drawing/2014/main" id="{EA03FA06-324C-4A58-BA4E-368666406469}"/>
               </a:ext>
             </a:extLst>
           </p:cNvPr>
@@ -7508,7 +7421,7 @@
     </p:spTree>
     <p:extLst>
       <p:ext uri="{BB962C8B-B14F-4D97-AF65-F5344CB8AC3E}">
-        <p14:creationId xmlns:p14="http://schemas.microsoft.com/office/powerpoint/2010/main" val="1374815208"/>
+        <p14:creationId xmlns:p14="http://schemas.microsoft.com/office/powerpoint/2010/main" val="744551710"/>
       </p:ext>
     </p:extLst>
   </p:cSld>
@@ -7537,120 +7450,6 @@
       </p:grpSpPr>
       <p:sp>
         <p:nvSpPr>
-          <p:cNvPr id="4" name="Title 3">
-            <a:extLst>
-              <a:ext uri="{FF2B5EF4-FFF2-40B4-BE49-F238E27FC236}">
-                <a16:creationId xmlns:a16="http://schemas.microsoft.com/office/drawing/2014/main" id="{F1C2C84A-DD8B-4A26-A88F-C715769110BD}"/>
-              </a:ext>
-            </a:extLst>
-          </p:cNvPr>
-          <p:cNvSpPr>
-            <a:spLocks noGrp="1"/>
-          </p:cNvSpPr>
-          <p:nvPr>
-            <p:ph type="title"/>
-          </p:nvPr>
-        </p:nvSpPr>
-        <p:spPr/>
-        <p:txBody>
-          <a:bodyPr/>
-          <a:lstStyle/>
-          <a:p>
-            <a:r>
-              <a:rPr lang="en-US" dirty="0"/>
-              <a:t>Results</a:t>
-            </a:r>
-          </a:p>
-        </p:txBody>
-      </p:sp>
-      <p:sp>
-        <p:nvSpPr>
-          <p:cNvPr id="5" name="Text Placeholder 4">
-            <a:extLst>
-              <a:ext uri="{FF2B5EF4-FFF2-40B4-BE49-F238E27FC236}">
-                <a16:creationId xmlns:a16="http://schemas.microsoft.com/office/drawing/2014/main" id="{E3374615-1888-4AB6-A81A-C72C164EBC05}"/>
-              </a:ext>
-            </a:extLst>
-          </p:cNvPr>
-          <p:cNvSpPr>
-            <a:spLocks noGrp="1"/>
-          </p:cNvSpPr>
-          <p:nvPr>
-            <p:ph type="body" idx="1"/>
-          </p:nvPr>
-        </p:nvSpPr>
-        <p:spPr/>
-        <p:txBody>
-          <a:bodyPr/>
-          <a:lstStyle/>
-          <a:p>
-            <a:endParaRPr lang="en-US" dirty="0"/>
-          </a:p>
-        </p:txBody>
-      </p:sp>
-      <p:sp>
-        <p:nvSpPr>
-          <p:cNvPr id="6" name="Slide Number Placeholder 5">
-            <a:extLst>
-              <a:ext uri="{FF2B5EF4-FFF2-40B4-BE49-F238E27FC236}">
-                <a16:creationId xmlns:a16="http://schemas.microsoft.com/office/drawing/2014/main" id="{EA03FA06-324C-4A58-BA4E-368666406469}"/>
-              </a:ext>
-            </a:extLst>
-          </p:cNvPr>
-          <p:cNvSpPr>
-            <a:spLocks noGrp="1"/>
-          </p:cNvSpPr>
-          <p:nvPr>
-            <p:ph type="sldNum" sz="quarter" idx="12"/>
-          </p:nvPr>
-        </p:nvSpPr>
-        <p:spPr/>
-        <p:txBody>
-          <a:bodyPr>
-            <a:normAutofit lnSpcReduction="10000"/>
-          </a:bodyPr>
-          <a:lstStyle/>
-          <a:p>
-            <a:fld id="{7C9D184C-9A82-443C-9AFB-5C392244099D}" type="slidenum">
-              <a:rPr lang="en-US" smtClean="0"/>
-              <a:t>7</a:t>
-            </a:fld>
-            <a:endParaRPr lang="en-US" dirty="0"/>
-          </a:p>
-        </p:txBody>
-      </p:sp>
-    </p:spTree>
-    <p:extLst>
-      <p:ext uri="{BB962C8B-B14F-4D97-AF65-F5344CB8AC3E}">
-        <p14:creationId xmlns:p14="http://schemas.microsoft.com/office/powerpoint/2010/main" val="744551710"/>
-      </p:ext>
-    </p:extLst>
-  </p:cSld>
-  <p:clrMapOvr>
-    <a:masterClrMapping/>
-  </p:clrMapOvr>
-</p:sld>
-</file>
-
-<file path=ppt/slides/slide8.xml><?xml version="1.0" encoding="utf-8"?>
-<p:sld xmlns:a="http://schemas.openxmlformats.org/drawingml/2006/main" xmlns:r="http://schemas.openxmlformats.org/officeDocument/2006/relationships" xmlns:p="http://schemas.openxmlformats.org/presentationml/2006/main">
-  <p:cSld>
-    <p:spTree>
-      <p:nvGrpSpPr>
-        <p:cNvPr id="1" name=""/>
-        <p:cNvGrpSpPr/>
-        <p:nvPr/>
-      </p:nvGrpSpPr>
-      <p:grpSpPr>
-        <a:xfrm>
-          <a:off x="0" y="0"/>
-          <a:ext cx="0" cy="0"/>
-          <a:chOff x="0" y="0"/>
-          <a:chExt cx="0" cy="0"/>
-        </a:xfrm>
-      </p:grpSpPr>
-      <p:sp>
-        <p:nvSpPr>
           <p:cNvPr id="4" name="Slide Number Placeholder 3">
             <a:extLst>
               <a:ext uri="{FF2B5EF4-FFF2-40B4-BE49-F238E27FC236}">
@@ -7674,7 +7473,7 @@
           <a:p>
             <a:fld id="{7C9D184C-9A82-443C-9AFB-5C392244099D}" type="slidenum">
               <a:rPr lang="en-US" smtClean="0"/>
-              <a:t>8</a:t>
+              <a:t>7</a:t>
             </a:fld>
             <a:endParaRPr lang="en-US" dirty="0"/>
           </a:p>
@@ -7797,7 +7596,7 @@
 </p:sld>
 </file>
 
-<file path=ppt/slides/slide9.xml><?xml version="1.0" encoding="utf-8"?>
+<file path=ppt/slides/slide8.xml><?xml version="1.0" encoding="utf-8"?>
 <p:sld xmlns:a="http://schemas.openxmlformats.org/drawingml/2006/main" xmlns:r="http://schemas.openxmlformats.org/officeDocument/2006/relationships" xmlns:p="http://schemas.openxmlformats.org/presentationml/2006/main">
   <p:cSld>
     <p:spTree>
@@ -7907,7 +7706,7 @@
           <a:p>
             <a:fld id="{7C9D184C-9A82-443C-9AFB-5C392244099D}" type="slidenum">
               <a:rPr lang="en-US" smtClean="0"/>
-              <a:t>9</a:t>
+              <a:t>8</a:t>
             </a:fld>
             <a:endParaRPr lang="en-US" dirty="0"/>
           </a:p>
@@ -7946,6 +7745,120 @@
     <p:extLst>
       <p:ext uri="{BB962C8B-B14F-4D97-AF65-F5344CB8AC3E}">
         <p14:creationId xmlns:p14="http://schemas.microsoft.com/office/powerpoint/2010/main" val="2417290834"/>
+      </p:ext>
+    </p:extLst>
+  </p:cSld>
+  <p:clrMapOvr>
+    <a:masterClrMapping/>
+  </p:clrMapOvr>
+</p:sld>
+</file>
+
+<file path=ppt/slides/slide9.xml><?xml version="1.0" encoding="utf-8"?>
+<p:sld xmlns:a="http://schemas.openxmlformats.org/drawingml/2006/main" xmlns:r="http://schemas.openxmlformats.org/officeDocument/2006/relationships" xmlns:p="http://schemas.openxmlformats.org/presentationml/2006/main">
+  <p:cSld>
+    <p:spTree>
+      <p:nvGrpSpPr>
+        <p:cNvPr id="1" name=""/>
+        <p:cNvGrpSpPr/>
+        <p:nvPr/>
+      </p:nvGrpSpPr>
+      <p:grpSpPr>
+        <a:xfrm>
+          <a:off x="0" y="0"/>
+          <a:ext cx="0" cy="0"/>
+          <a:chOff x="0" y="0"/>
+          <a:chExt cx="0" cy="0"/>
+        </a:xfrm>
+      </p:grpSpPr>
+      <p:sp>
+        <p:nvSpPr>
+          <p:cNvPr id="4" name="Title 3">
+            <a:extLst>
+              <a:ext uri="{FF2B5EF4-FFF2-40B4-BE49-F238E27FC236}">
+                <a16:creationId xmlns:a16="http://schemas.microsoft.com/office/drawing/2014/main" id="{F1C2C84A-DD8B-4A26-A88F-C715769110BD}"/>
+              </a:ext>
+            </a:extLst>
+          </p:cNvPr>
+          <p:cNvSpPr>
+            <a:spLocks noGrp="1"/>
+          </p:cNvSpPr>
+          <p:nvPr>
+            <p:ph type="title"/>
+          </p:nvPr>
+        </p:nvSpPr>
+        <p:spPr/>
+        <p:txBody>
+          <a:bodyPr/>
+          <a:lstStyle/>
+          <a:p>
+            <a:r>
+              <a:rPr lang="en-US" dirty="0"/>
+              <a:t>Robustness</a:t>
+            </a:r>
+          </a:p>
+        </p:txBody>
+      </p:sp>
+      <p:sp>
+        <p:nvSpPr>
+          <p:cNvPr id="5" name="Text Placeholder 4">
+            <a:extLst>
+              <a:ext uri="{FF2B5EF4-FFF2-40B4-BE49-F238E27FC236}">
+                <a16:creationId xmlns:a16="http://schemas.microsoft.com/office/drawing/2014/main" id="{E3374615-1888-4AB6-A81A-C72C164EBC05}"/>
+              </a:ext>
+            </a:extLst>
+          </p:cNvPr>
+          <p:cNvSpPr>
+            <a:spLocks noGrp="1"/>
+          </p:cNvSpPr>
+          <p:nvPr>
+            <p:ph type="body" idx="1"/>
+          </p:nvPr>
+        </p:nvSpPr>
+        <p:spPr/>
+        <p:txBody>
+          <a:bodyPr/>
+          <a:lstStyle/>
+          <a:p>
+            <a:endParaRPr lang="en-US" dirty="0"/>
+          </a:p>
+        </p:txBody>
+      </p:sp>
+      <p:sp>
+        <p:nvSpPr>
+          <p:cNvPr id="6" name="Slide Number Placeholder 5">
+            <a:extLst>
+              <a:ext uri="{FF2B5EF4-FFF2-40B4-BE49-F238E27FC236}">
+                <a16:creationId xmlns:a16="http://schemas.microsoft.com/office/drawing/2014/main" id="{EA03FA06-324C-4A58-BA4E-368666406469}"/>
+              </a:ext>
+            </a:extLst>
+          </p:cNvPr>
+          <p:cNvSpPr>
+            <a:spLocks noGrp="1"/>
+          </p:cNvSpPr>
+          <p:nvPr>
+            <p:ph type="sldNum" sz="quarter" idx="12"/>
+          </p:nvPr>
+        </p:nvSpPr>
+        <p:spPr/>
+        <p:txBody>
+          <a:bodyPr>
+            <a:normAutofit lnSpcReduction="10000"/>
+          </a:bodyPr>
+          <a:lstStyle/>
+          <a:p>
+            <a:fld id="{7C9D184C-9A82-443C-9AFB-5C392244099D}" type="slidenum">
+              <a:rPr lang="en-US" smtClean="0"/>
+              <a:t>9</a:t>
+            </a:fld>
+            <a:endParaRPr lang="en-US" dirty="0"/>
+          </a:p>
+        </p:txBody>
+      </p:sp>
+    </p:spTree>
+    <p:extLst>
+      <p:ext uri="{BB962C8B-B14F-4D97-AF65-F5344CB8AC3E}">
+        <p14:creationId xmlns:p14="http://schemas.microsoft.com/office/powerpoint/2010/main" val="3696902245"/>
       </p:ext>
     </p:extLst>
   </p:cSld>
